--- a/elektronnyi_dokumentoobig.pptx
+++ b/elektronnyi_dokumentoobig.pptx
@@ -3140,7 +3140,7 @@
           </a:p>
           <a:p>
             <a:r>
-              <a:t>Автор: Ім’я Прізвище</a:t>
+              <a:t>Автор: Тімур Усламін Олександрович</a:t>
             </a:r>
           </a:p>
           <a:p>

--- a/elektronnyi_dokumentoobig.pptx
+++ b/elektronnyi_dokumentoobig.pptx
@@ -3140,7 +3140,7 @@
           </a:p>
           <a:p>
             <a:r>
-              <a:t>Автор: Тімур Усламін Олександрович</a:t>
+              <a:t>Автор: Усламін Тімур Олександрович</a:t>
             </a:r>
           </a:p>
           <a:p>
